--- a/courses/Dis Str IMS/Dis Str IMS File/DS - Week 2.pptx
+++ b/courses/Dis Str IMS/Dis Str IMS File/DS - Week 2.pptx
@@ -5,7 +5,7 @@
     <p:sldMasterId id="2147483648" r:id="rId1"/>
   </p:sldMasterIdLst>
   <p:notesMasterIdLst>
-    <p:notesMasterId r:id="rId37"/>
+    <p:notesMasterId r:id="rId38"/>
   </p:notesMasterIdLst>
   <p:sldIdLst>
     <p:sldId id="302" r:id="rId2"/>
@@ -43,6 +43,7 @@
     <p:sldId id="259" r:id="rId34"/>
     <p:sldId id="334" r:id="rId35"/>
     <p:sldId id="335" r:id="rId36"/>
+    <p:sldId id="337" r:id="rId37"/>
   </p:sldIdLst>
   <p:sldSz cx="9144000" cy="6858000" type="screen4x3"/>
   <p:notesSz cx="6858000" cy="9144000"/>
@@ -13498,7 +13499,12 @@
             <p:ph type="title"/>
           </p:nvPr>
         </p:nvSpPr>
-        <p:spPr/>
+        <p:spPr>
+          <a:xfrm>
+            <a:off x="457200" y="136525"/>
+            <a:ext cx="8229600" cy="1143000"/>
+          </a:xfrm>
+        </p:spPr>
         <p:txBody>
           <a:bodyPr/>
           <a:lstStyle/>
@@ -13511,8 +13517,8 @@
           </a:p>
         </p:txBody>
       </p:sp>
-      <mc:AlternateContent xmlns:mc="http://schemas.openxmlformats.org/markup-compatibility/2006" xmlns:a14="http://schemas.microsoft.com/office/drawing/2010/main">
-        <mc:Choice Requires="a14">
+      <mc:AlternateContent xmlns:mc="http://schemas.openxmlformats.org/markup-compatibility/2006">
+        <mc:Choice xmlns:a14="http://schemas.microsoft.com/office/drawing/2010/main" Requires="a14">
           <p:sp>
             <p:nvSpPr>
               <p:cNvPr id="3" name="Content Placeholder 2">
@@ -13529,7 +13535,12 @@
                 <p:ph idx="1"/>
               </p:nvPr>
             </p:nvSpPr>
-            <p:spPr/>
+            <p:spPr>
+              <a:xfrm>
+                <a:off x="476026" y="1219200"/>
+                <a:ext cx="8229600" cy="4525963"/>
+              </a:xfrm>
+            </p:spPr>
             <p:txBody>
               <a:bodyPr/>
               <a:lstStyle/>
@@ -13545,14 +13556,6 @@
               </a:p>
               <a:p>
                 <a:pPr lvl="1"/>
-                <a:r>
-                  <a:rPr lang="en-AU" sz="2000" b="1" dirty="0"/>
-                  <a:t>Formal Expression</a:t>
-                </a:r>
-                <a:r>
-                  <a:rPr lang="en-AU" sz="2000" dirty="0"/>
-                  <a:t>: </a:t>
-                </a:r>
                 <a14:m>
                   <m:oMath xmlns:m="http://schemas.openxmlformats.org/officeDocument/2006/math">
                     <m:r>
@@ -13560,6 +13563,156 @@
                         <a:latin typeface="Cambria Math" panose="02040503050406030204" pitchFamily="18" charset="0"/>
                       </a:rPr>
                       <m:t>𝐴</m:t>
+                    </m:r>
+                    <m:r>
+                      <a:rPr lang="en-AU" sz="2000">
+                        <a:latin typeface="Cambria Math" panose="02040503050406030204" pitchFamily="18" charset="0"/>
+                      </a:rPr>
+                      <m:t>∧</m:t>
+                    </m:r>
+                    <m:r>
+                      <m:rPr>
+                        <m:sty m:val="p"/>
+                      </m:rPr>
+                      <a:rPr lang="en-AU" sz="2000" b="0" i="0" smtClean="0">
+                        <a:solidFill>
+                          <a:srgbClr val="FF0000"/>
+                        </a:solidFill>
+                        <a:latin typeface="Cambria Math" panose="02040503050406030204" pitchFamily="18" charset="0"/>
+                      </a:rPr>
+                      <m:t>True</m:t>
+                    </m:r>
+                    <m:r>
+                      <a:rPr lang="en-AU" sz="2000">
+                        <a:latin typeface="Cambria Math" panose="02040503050406030204" pitchFamily="18" charset="0"/>
+                      </a:rPr>
+                      <m:t>=</m:t>
+                    </m:r>
+                    <m:r>
+                      <a:rPr lang="en-AU" sz="2000" i="1">
+                        <a:latin typeface="Cambria Math" panose="02040503050406030204" pitchFamily="18" charset="0"/>
+                      </a:rPr>
+                      <m:t>𝐴</m:t>
+                    </m:r>
+                  </m:oMath>
+                </a14:m>
+                <a:endParaRPr lang="en-AU" sz="2000" dirty="0"/>
+              </a:p>
+              <a:p>
+                <a:pPr lvl="1"/>
+                <a14:m>
+                  <m:oMath xmlns:m="http://schemas.openxmlformats.org/officeDocument/2006/math">
+                    <m:r>
+                      <a:rPr lang="en-AU" sz="2000" i="1">
+                        <a:latin typeface="Cambria Math" panose="02040503050406030204" pitchFamily="18" charset="0"/>
+                      </a:rPr>
+                      <m:t>𝐴</m:t>
+                    </m:r>
+                    <m:r>
+                      <a:rPr lang="en-AU" sz="2000">
+                        <a:latin typeface="Cambria Math" panose="02040503050406030204" pitchFamily="18" charset="0"/>
+                      </a:rPr>
+                      <m:t>∧</m:t>
+                    </m:r>
+                    <m:r>
+                      <m:rPr>
+                        <m:sty m:val="p"/>
+                      </m:rPr>
+                      <a:rPr lang="en-AU" sz="2000" b="0" i="0" smtClean="0">
+                        <a:solidFill>
+                          <a:srgbClr val="0070C0"/>
+                        </a:solidFill>
+                        <a:latin typeface="Cambria Math" panose="02040503050406030204" pitchFamily="18" charset="0"/>
+                      </a:rPr>
+                      <m:t>False</m:t>
+                    </m:r>
+                    <m:r>
+                      <a:rPr lang="en-AU" sz="2000">
+                        <a:latin typeface="Cambria Math" panose="02040503050406030204" pitchFamily="18" charset="0"/>
+                      </a:rPr>
+                      <m:t>=</m:t>
+                    </m:r>
+                    <m:r>
+                      <a:rPr lang="en-AU" sz="2000" i="1">
+                        <a:latin typeface="Cambria Math" panose="02040503050406030204" pitchFamily="18" charset="0"/>
+                      </a:rPr>
+                      <m:t>𝐴</m:t>
+                    </m:r>
+                  </m:oMath>
+                </a14:m>
+                <a:endParaRPr lang="en-AU" sz="2000" dirty="0"/>
+              </a:p>
+              <a:p>
+                <a:pPr lvl="1"/>
+                <a14:m>
+                  <m:oMath xmlns:m="http://schemas.openxmlformats.org/officeDocument/2006/math">
+                    <m:r>
+                      <a:rPr lang="en-AU" sz="2000" i="1">
+                        <a:latin typeface="Cambria Math" panose="02040503050406030204" pitchFamily="18" charset="0"/>
+                      </a:rPr>
+                      <m:t>𝐴</m:t>
+                    </m:r>
+                    <m:r>
+                      <a:rPr lang="en-AU" sz="2000">
+                        <a:latin typeface="Cambria Math" panose="02040503050406030204" pitchFamily="18" charset="0"/>
+                      </a:rPr>
+                      <m:t>∨</m:t>
+                    </m:r>
+                    <m:r>
+                      <m:rPr>
+                        <m:sty m:val="p"/>
+                      </m:rPr>
+                      <a:rPr lang="en-AU" sz="2000" b="0" i="0" smtClean="0">
+                        <a:solidFill>
+                          <a:srgbClr val="FF0000"/>
+                        </a:solidFill>
+                        <a:latin typeface="Cambria Math" panose="02040503050406030204" pitchFamily="18" charset="0"/>
+                      </a:rPr>
+                      <m:t>True</m:t>
+                    </m:r>
+                    <m:r>
+                      <a:rPr lang="en-AU" sz="2000">
+                        <a:latin typeface="Cambria Math" panose="02040503050406030204" pitchFamily="18" charset="0"/>
+                      </a:rPr>
+                      <m:t>=</m:t>
+                    </m:r>
+                    <m:r>
+                      <a:rPr lang="en-AU" sz="2000" i="1">
+                        <a:latin typeface="Cambria Math" panose="02040503050406030204" pitchFamily="18" charset="0"/>
+                      </a:rPr>
+                      <m:t>𝐴</m:t>
+                    </m:r>
+                  </m:oMath>
+                </a14:m>
+                <a:endParaRPr lang="en-AU" sz="2000" dirty="0"/>
+              </a:p>
+              <a:p>
+                <a:pPr lvl="1"/>
+                <a14:m>
+                  <m:oMath xmlns:m="http://schemas.openxmlformats.org/officeDocument/2006/math">
+                    <m:r>
+                      <a:rPr lang="en-AU" sz="2000" i="1">
+                        <a:latin typeface="Cambria Math" panose="02040503050406030204" pitchFamily="18" charset="0"/>
+                      </a:rPr>
+                      <m:t>𝐴</m:t>
+                    </m:r>
+                    <m:r>
+                      <a:rPr lang="en-AU" sz="2000">
+                        <a:latin typeface="Cambria Math" panose="02040503050406030204" pitchFamily="18" charset="0"/>
+                      </a:rPr>
+                      <m:t>∨</m:t>
+                    </m:r>
+                    <m:r>
+                      <m:rPr>
+                        <m:sty m:val="p"/>
+                      </m:rPr>
+                      <a:rPr lang="en-AU" sz="2000" b="0" i="0" smtClean="0">
+                        <a:solidFill>
+                          <a:srgbClr val="0070C0"/>
+                        </a:solidFill>
+                        <a:latin typeface="Cambria Math" panose="02040503050406030204" pitchFamily="18" charset="0"/>
+                      </a:rPr>
+                      <m:t>False</m:t>
                     </m:r>
                     <m:r>
                       <a:rPr lang="en-AU" sz="2000">
@@ -13650,7 +13803,7 @@
             </p:txBody>
           </p:sp>
         </mc:Choice>
-        <mc:Fallback xmlns="">
+        <mc:Fallback>
           <p:sp>
             <p:nvSpPr>
               <p:cNvPr id="3" name="Content Placeholder 2">
@@ -13668,10 +13821,14 @@
               </p:nvPr>
             </p:nvSpPr>
             <p:spPr>
+              <a:xfrm>
+                <a:off x="476026" y="1219200"/>
+                <a:ext cx="8229600" cy="4525963"/>
+              </a:xfrm>
               <a:blipFill>
                 <a:blip r:embed="rId2"/>
                 <a:stretch>
-                  <a:fillRect l="-1080" t="-1401" r="-309"/>
+                  <a:fillRect l="-1079" t="-1120" r="-308" b="-22969"/>
                 </a:stretch>
               </a:blipFill>
             </p:spPr>
@@ -22001,6 +22158,224 @@
     <p:extLst>
       <p:ext uri="{BB962C8B-B14F-4D97-AF65-F5344CB8AC3E}">
         <p14:creationId xmlns:p14="http://schemas.microsoft.com/office/powerpoint/2010/main" val="347062760"/>
+      </p:ext>
+    </p:extLst>
+  </p:cSld>
+  <p:clrMapOvr>
+    <a:masterClrMapping/>
+  </p:clrMapOvr>
+  <p:timing>
+    <p:tnLst>
+      <p:par>
+        <p:cTn id="1" dur="indefinite" restart="never" nodeType="tmRoot">
+          <p:childTnLst>
+            <p:seq concurrent="1" nextAc="seek">
+              <p:cTn id="2" dur="indefinite" nodeType="mainSeq">
+                <p:childTnLst>
+                  <p:par>
+                    <p:cTn id="3" fill="hold">
+                      <p:stCondLst>
+                        <p:cond delay="indefinite"/>
+                      </p:stCondLst>
+                      <p:childTnLst>
+                        <p:par>
+                          <p:cTn id="4" fill="hold">
+                            <p:stCondLst>
+                              <p:cond delay="0"/>
+                            </p:stCondLst>
+                            <p:childTnLst>
+                              <p:par>
+                                <p:cTn id="5" presetID="5" presetClass="entr" presetSubtype="10" fill="hold" nodeType="clickEffect">
+                                  <p:stCondLst>
+                                    <p:cond delay="0"/>
+                                  </p:stCondLst>
+                                  <p:childTnLst>
+                                    <p:set>
+                                      <p:cBhvr>
+                                        <p:cTn id="6" dur="1" fill="hold">
+                                          <p:stCondLst>
+                                            <p:cond delay="0"/>
+                                          </p:stCondLst>
+                                        </p:cTn>
+                                        <p:tgtEl>
+                                          <p:spTgt spid="6"/>
+                                        </p:tgtEl>
+                                        <p:attrNameLst>
+                                          <p:attrName>style.visibility</p:attrName>
+                                        </p:attrNameLst>
+                                      </p:cBhvr>
+                                      <p:to>
+                                        <p:strVal val="visible"/>
+                                      </p:to>
+                                    </p:set>
+                                    <p:animEffect transition="in" filter="checkerboard(across)">
+                                      <p:cBhvr>
+                                        <p:cTn id="7" dur="500"/>
+                                        <p:tgtEl>
+                                          <p:spTgt spid="6"/>
+                                        </p:tgtEl>
+                                      </p:cBhvr>
+                                    </p:animEffect>
+                                  </p:childTnLst>
+                                </p:cTn>
+                              </p:par>
+                            </p:childTnLst>
+                          </p:cTn>
+                        </p:par>
+                      </p:childTnLst>
+                    </p:cTn>
+                  </p:par>
+                </p:childTnLst>
+              </p:cTn>
+              <p:prevCondLst>
+                <p:cond evt="onPrev" delay="0">
+                  <p:tgtEl>
+                    <p:sldTgt/>
+                  </p:tgtEl>
+                </p:cond>
+              </p:prevCondLst>
+              <p:nextCondLst>
+                <p:cond evt="onNext" delay="0">
+                  <p:tgtEl>
+                    <p:sldTgt/>
+                  </p:tgtEl>
+                </p:cond>
+              </p:nextCondLst>
+            </p:seq>
+          </p:childTnLst>
+        </p:cTn>
+      </p:par>
+    </p:tnLst>
+  </p:timing>
+</p:sld>
+</file>
+
+<file path=ppt/slides/slide36.xml><?xml version="1.0" encoding="utf-8"?>
+<p:sld xmlns:a="http://schemas.openxmlformats.org/drawingml/2006/main" xmlns:r="http://schemas.openxmlformats.org/officeDocument/2006/relationships" xmlns:p="http://schemas.openxmlformats.org/presentationml/2006/main">
+  <p:cSld>
+    <p:spTree>
+      <p:nvGrpSpPr>
+        <p:cNvPr id="1" name=""/>
+        <p:cNvGrpSpPr/>
+        <p:nvPr/>
+      </p:nvGrpSpPr>
+      <p:grpSpPr>
+        <a:xfrm>
+          <a:off x="0" y="0"/>
+          <a:ext cx="0" cy="0"/>
+          <a:chOff x="0" y="0"/>
+          <a:chExt cx="0" cy="0"/>
+        </a:xfrm>
+      </p:grpSpPr>
+      <p:sp>
+        <p:nvSpPr>
+          <p:cNvPr id="2" name="Title 1">
+            <a:extLst>
+              <a:ext uri="{FF2B5EF4-FFF2-40B4-BE49-F238E27FC236}">
+                <a16:creationId xmlns:a16="http://schemas.microsoft.com/office/drawing/2014/main" id="{16B5BB49-5E59-42D1-A1C9-CA4DCD680ABF}"/>
+              </a:ext>
+            </a:extLst>
+          </p:cNvPr>
+          <p:cNvSpPr>
+            <a:spLocks noGrp="1"/>
+          </p:cNvSpPr>
+          <p:nvPr>
+            <p:ph type="title"/>
+          </p:nvPr>
+        </p:nvSpPr>
+        <p:spPr/>
+        <p:txBody>
+          <a:bodyPr/>
+          <a:lstStyle/>
+          <a:p>
+            <a:r>
+              <a:rPr lang="en-US" dirty="0"/>
+              <a:t>Verify  </a:t>
+            </a:r>
+            <a:r>
+              <a:rPr lang="en-AU" dirty="0"/>
+              <a:t>p∧(¬(¬</a:t>
+            </a:r>
+            <a:r>
+              <a:rPr lang="en-AU" dirty="0" err="1"/>
+              <a:t>p∨q</a:t>
+            </a:r>
+            <a:r>
+              <a:rPr lang="en-AU" dirty="0"/>
+              <a:t>))≡p∧¬q</a:t>
+            </a:r>
+            <a:endParaRPr lang="en-US" dirty="0"/>
+          </a:p>
+        </p:txBody>
+      </p:sp>
+      <p:pic>
+        <p:nvPicPr>
+          <p:cNvPr id="6" name="Content Placeholder 5" descr="A math equations on a white background&#10;&#10;AI-generated content may be incorrect.">
+            <a:extLst>
+              <a:ext uri="{FF2B5EF4-FFF2-40B4-BE49-F238E27FC236}">
+                <a16:creationId xmlns:a16="http://schemas.microsoft.com/office/drawing/2014/main" id="{42E2795C-D0AC-C4B8-0C30-C28C7F8ACA66}"/>
+              </a:ext>
+            </a:extLst>
+          </p:cNvPr>
+          <p:cNvPicPr>
+            <a:picLocks noGrp="1" noChangeAspect="1"/>
+          </p:cNvPicPr>
+          <p:nvPr>
+            <p:ph idx="1"/>
+          </p:nvPr>
+        </p:nvPicPr>
+        <p:blipFill>
+          <a:blip r:embed="rId2"/>
+          <a:stretch>
+            <a:fillRect/>
+          </a:stretch>
+        </p:blipFill>
+        <p:spPr>
+          <a:xfrm>
+            <a:off x="546100" y="2040731"/>
+            <a:ext cx="8051800" cy="3644900"/>
+          </a:xfrm>
+        </p:spPr>
+      </p:pic>
+      <p:sp>
+        <p:nvSpPr>
+          <p:cNvPr id="4" name="Slide Number Placeholder 3">
+            <a:extLst>
+              <a:ext uri="{FF2B5EF4-FFF2-40B4-BE49-F238E27FC236}">
+                <a16:creationId xmlns:a16="http://schemas.microsoft.com/office/drawing/2014/main" id="{80CB0FB1-6D16-5277-BA56-0F4208285FA3}"/>
+              </a:ext>
+            </a:extLst>
+          </p:cNvPr>
+          <p:cNvSpPr>
+            <a:spLocks noGrp="1"/>
+          </p:cNvSpPr>
+          <p:nvPr>
+            <p:ph type="sldNum" sz="quarter" idx="12"/>
+          </p:nvPr>
+        </p:nvSpPr>
+        <p:spPr/>
+        <p:txBody>
+          <a:bodyPr/>
+          <a:lstStyle/>
+          <a:p>
+            <a:pPr>
+              <a:defRPr/>
+            </a:pPr>
+            <a:fld id="{3291FE5D-ED3C-0A4D-918F-5116AF3607A7}" type="slidenum">
+              <a:rPr lang="en-US" altLang="en-US" smtClean="0"/>
+              <a:pPr>
+                <a:defRPr/>
+              </a:pPr>
+              <a:t>36</a:t>
+            </a:fld>
+            <a:endParaRPr lang="en-US" altLang="en-US"/>
+          </a:p>
+        </p:txBody>
+      </p:sp>
+    </p:spTree>
+    <p:extLst>
+      <p:ext uri="{BB962C8B-B14F-4D97-AF65-F5344CB8AC3E}">
+        <p14:creationId xmlns:p14="http://schemas.microsoft.com/office/powerpoint/2010/main" val="1010747552"/>
       </p:ext>
     </p:extLst>
   </p:cSld>

--- a/courses/Dis Str IMS/Dis Str IMS File/DS - Week 2.pptx
+++ b/courses/Dis Str IMS/Dis Str IMS File/DS - Week 2.pptx
@@ -13517,8 +13517,8 @@
           </a:p>
         </p:txBody>
       </p:sp>
-      <mc:AlternateContent xmlns:mc="http://schemas.openxmlformats.org/markup-compatibility/2006">
-        <mc:Choice xmlns:a14="http://schemas.microsoft.com/office/drawing/2010/main" Requires="a14">
+      <mc:AlternateContent xmlns:mc="http://schemas.openxmlformats.org/markup-compatibility/2006" xmlns:a14="http://schemas.microsoft.com/office/drawing/2010/main">
+        <mc:Choice Requires="a14">
           <p:sp>
             <p:nvSpPr>
               <p:cNvPr id="3" name="Content Placeholder 2">
@@ -13803,7 +13803,7 @@
             </p:txBody>
           </p:sp>
         </mc:Choice>
-        <mc:Fallback>
+        <mc:Fallback xmlns="">
           <p:sp>
             <p:nvSpPr>
               <p:cNvPr id="3" name="Content Placeholder 2">
